--- a/reports/FR/images/ECSSTesting.pptx
+++ b/reports/FR/images/ECSSTesting.pptx
@@ -197,7 +197,7 @@
           <a:p>
             <a:fld id="{97501043-3B81-3844-BC61-353AF4217384}" type="datetimeFigureOut">
               <a:rPr lang="en-US" smtClean="0"/>
-              <a:t>6/25/20</a:t>
+              <a:t>11/17/21</a:t>
             </a:fld>
             <a:endParaRPr lang="en-US"/>
           </a:p>
@@ -684,7 +684,7 @@
           <a:p>
             <a:fld id="{A3412AC9-C315-E042-9981-F08DF5D0D45B}" type="datetimeFigureOut">
               <a:rPr lang="en-US" smtClean="0"/>
-              <a:t>6/25/20</a:t>
+              <a:t>11/17/21</a:t>
             </a:fld>
             <a:endParaRPr lang="en-US"/>
           </a:p>
@@ -854,7 +854,7 @@
           <a:p>
             <a:fld id="{A3412AC9-C315-E042-9981-F08DF5D0D45B}" type="datetimeFigureOut">
               <a:rPr lang="en-US" smtClean="0"/>
-              <a:t>6/25/20</a:t>
+              <a:t>11/17/21</a:t>
             </a:fld>
             <a:endParaRPr lang="en-US"/>
           </a:p>
@@ -1034,7 +1034,7 @@
           <a:p>
             <a:fld id="{A3412AC9-C315-E042-9981-F08DF5D0D45B}" type="datetimeFigureOut">
               <a:rPr lang="en-US" smtClean="0"/>
-              <a:t>6/25/20</a:t>
+              <a:t>11/17/21</a:t>
             </a:fld>
             <a:endParaRPr lang="en-US"/>
           </a:p>
@@ -1204,7 +1204,7 @@
           <a:p>
             <a:fld id="{A3412AC9-C315-E042-9981-F08DF5D0D45B}" type="datetimeFigureOut">
               <a:rPr lang="en-US" smtClean="0"/>
-              <a:t>6/25/20</a:t>
+              <a:t>11/17/21</a:t>
             </a:fld>
             <a:endParaRPr lang="en-US"/>
           </a:p>
@@ -1448,7 +1448,7 @@
           <a:p>
             <a:fld id="{A3412AC9-C315-E042-9981-F08DF5D0D45B}" type="datetimeFigureOut">
               <a:rPr lang="en-US" smtClean="0"/>
-              <a:t>6/25/20</a:t>
+              <a:t>11/17/21</a:t>
             </a:fld>
             <a:endParaRPr lang="en-US"/>
           </a:p>
@@ -1680,7 +1680,7 @@
           <a:p>
             <a:fld id="{A3412AC9-C315-E042-9981-F08DF5D0D45B}" type="datetimeFigureOut">
               <a:rPr lang="en-US" smtClean="0"/>
-              <a:t>6/25/20</a:t>
+              <a:t>11/17/21</a:t>
             </a:fld>
             <a:endParaRPr lang="en-US"/>
           </a:p>
@@ -2047,7 +2047,7 @@
           <a:p>
             <a:fld id="{A3412AC9-C315-E042-9981-F08DF5D0D45B}" type="datetimeFigureOut">
               <a:rPr lang="en-US" smtClean="0"/>
-              <a:t>6/25/20</a:t>
+              <a:t>11/17/21</a:t>
             </a:fld>
             <a:endParaRPr lang="en-US"/>
           </a:p>
@@ -2165,7 +2165,7 @@
           <a:p>
             <a:fld id="{A3412AC9-C315-E042-9981-F08DF5D0D45B}" type="datetimeFigureOut">
               <a:rPr lang="en-US" smtClean="0"/>
-              <a:t>6/25/20</a:t>
+              <a:t>11/17/21</a:t>
             </a:fld>
             <a:endParaRPr lang="en-US"/>
           </a:p>
@@ -2260,7 +2260,7 @@
           <a:p>
             <a:fld id="{A3412AC9-C315-E042-9981-F08DF5D0D45B}" type="datetimeFigureOut">
               <a:rPr lang="en-US" smtClean="0"/>
-              <a:t>6/25/20</a:t>
+              <a:t>11/17/21</a:t>
             </a:fld>
             <a:endParaRPr lang="en-US"/>
           </a:p>
@@ -2537,7 +2537,7 @@
           <a:p>
             <a:fld id="{A3412AC9-C315-E042-9981-F08DF5D0D45B}" type="datetimeFigureOut">
               <a:rPr lang="en-US" smtClean="0"/>
-              <a:t>6/25/20</a:t>
+              <a:t>11/17/21</a:t>
             </a:fld>
             <a:endParaRPr lang="en-US"/>
           </a:p>
@@ -2794,7 +2794,7 @@
           <a:p>
             <a:fld id="{A3412AC9-C315-E042-9981-F08DF5D0D45B}" type="datetimeFigureOut">
               <a:rPr lang="en-US" smtClean="0"/>
-              <a:t>6/25/20</a:t>
+              <a:t>11/17/21</a:t>
             </a:fld>
             <a:endParaRPr lang="en-US"/>
           </a:p>
@@ -3007,7 +3007,7 @@
           <a:p>
             <a:fld id="{A3412AC9-C315-E042-9981-F08DF5D0D45B}" type="datetimeFigureOut">
               <a:rPr lang="en-US" smtClean="0"/>
-              <a:t>6/25/20</a:t>
+              <a:t>11/17/21</a:t>
             </a:fld>
             <a:endParaRPr lang="en-US"/>
           </a:p>
@@ -6167,7 +6167,7 @@
                   <a:schemeClr val="tx1"/>
                 </a:solidFill>
               </a:rPr>
-              <a:t>Test</a:t>
+              <a:t>Code-driven</a:t>
             </a:r>
           </a:p>
           <a:p>
@@ -6178,96 +6178,7 @@
                   <a:schemeClr val="tx1"/>
                 </a:solidFill>
               </a:rPr>
-              <a:t>Generation</a:t>
-            </a:r>
-          </a:p>
-          <a:p>
-            <a:pPr algn="ctr"/>
-            <a:r>
-              <a:rPr lang="en-US" sz="1000" dirty="0">
-                <a:solidFill>
-                  <a:schemeClr val="tx1"/>
-                </a:solidFill>
-              </a:rPr>
-              <a:t>using Static Analysis</a:t>
-            </a:r>
-          </a:p>
-        </p:txBody>
-      </p:sp>
-      <p:sp>
-        <p:nvSpPr>
-          <p:cNvPr id="352" name="Rectangle 351">
-            <a:extLst>
-              <a:ext uri="{FF2B5EF4-FFF2-40B4-BE49-F238E27FC236}">
-                <a16:creationId xmlns:a16="http://schemas.microsoft.com/office/drawing/2014/main" id="{157C1D07-7428-4949-985B-B771A1AA4A27}"/>
-              </a:ext>
-            </a:extLst>
-          </p:cNvPr>
-          <p:cNvSpPr/>
-          <p:nvPr/>
-        </p:nvSpPr>
-        <p:spPr>
-          <a:xfrm>
-            <a:off x="8042991" y="4268719"/>
-            <a:ext cx="911162" cy="568410"/>
-          </a:xfrm>
-          <a:prstGeom prst="rect">
-            <a:avLst/>
-          </a:prstGeom>
-          <a:noFill/>
-          <a:ln w="38100">
-            <a:solidFill>
-              <a:schemeClr val="bg1">
-                <a:lumMod val="65000"/>
-              </a:schemeClr>
-            </a:solidFill>
-            <a:prstDash val="sysDash"/>
-          </a:ln>
-        </p:spPr>
-        <p:style>
-          <a:lnRef idx="2">
-            <a:schemeClr val="accent1">
-              <a:shade val="50000"/>
-            </a:schemeClr>
-          </a:lnRef>
-          <a:fillRef idx="1">
-            <a:schemeClr val="accent1"/>
-          </a:fillRef>
-          <a:effectRef idx="0">
-            <a:schemeClr val="accent1"/>
-          </a:effectRef>
-          <a:fontRef idx="minor">
-            <a:schemeClr val="lt1"/>
-          </a:fontRef>
-        </p:style>
-        <p:txBody>
-          <a:bodyPr rot="0" spcFirstLastPara="0" vertOverflow="overflow" horzOverflow="overflow" vert="horz" wrap="square" lIns="91440" tIns="45720" rIns="91440" bIns="45720" numCol="1" spcCol="0" rtlCol="0" fromWordArt="0" anchor="ctr" anchorCtr="0" forceAA="0" compatLnSpc="1">
-            <a:prstTxWarp prst="textNoShape">
-              <a:avLst/>
-            </a:prstTxWarp>
-            <a:noAutofit/>
-          </a:bodyPr>
-          <a:lstStyle/>
-          <a:p>
-            <a:pPr algn="ctr"/>
-            <a:r>
-              <a:rPr lang="en-US" sz="1000" dirty="0">
-                <a:solidFill>
-                  <a:schemeClr val="tx1"/>
-                </a:solidFill>
-              </a:rPr>
-              <a:t>Model-</a:t>
-            </a:r>
-          </a:p>
-          <a:p>
-            <a:pPr algn="ctr"/>
-            <a:r>
-              <a:rPr lang="en-US" sz="1000" dirty="0">
-                <a:solidFill>
-                  <a:schemeClr val="tx1"/>
-                </a:solidFill>
-              </a:rPr>
-              <a:t>based</a:t>
+              <a:t>Test</a:t>
             </a:r>
           </a:p>
           <a:p>
@@ -6635,17 +6546,28 @@
                   <a:schemeClr val="tx1"/>
                 </a:solidFill>
               </a:rPr>
-              <a:t>score</a:t>
-            </a:r>
-          </a:p>
-        </p:txBody>
-      </p:sp>
-      <p:sp>
-        <p:nvSpPr>
-          <p:cNvPr id="372" name="Rectangle 371">
-            <a:extLst>
-              <a:ext uri="{FF2B5EF4-FFF2-40B4-BE49-F238E27FC236}">
-                <a16:creationId xmlns:a16="http://schemas.microsoft.com/office/drawing/2014/main" id="{FB6282FC-47B2-EC46-9A8F-FDEFA4DD1C7A}"/>
+              <a:t>analysis</a:t>
+            </a:r>
+          </a:p>
+          <a:p>
+            <a:pPr algn="ctr"/>
+            <a:r>
+              <a:rPr lang="en-US" sz="1000" dirty="0">
+                <a:solidFill>
+                  <a:schemeClr val="tx1"/>
+                </a:solidFill>
+              </a:rPr>
+              <a:t>metrics</a:t>
+            </a:r>
+          </a:p>
+        </p:txBody>
+      </p:sp>
+      <p:sp>
+        <p:nvSpPr>
+          <p:cNvPr id="374" name="Snip Single Corner Rectangle 373">
+            <a:extLst>
+              <a:ext uri="{FF2B5EF4-FFF2-40B4-BE49-F238E27FC236}">
+                <a16:creationId xmlns:a16="http://schemas.microsoft.com/office/drawing/2014/main" id="{7FC4F68B-B8DC-0742-9F52-AFE132E090DF}"/>
               </a:ext>
             </a:extLst>
           </p:cNvPr>
@@ -6653,21 +6575,18 @@
           <p:nvPr/>
         </p:nvSpPr>
         <p:spPr>
-          <a:xfrm>
-            <a:off x="5489263" y="4803355"/>
-            <a:ext cx="911162" cy="568410"/>
-          </a:xfrm>
-          <a:prstGeom prst="rect">
+          <a:xfrm flipH="1">
+            <a:off x="2379094" y="5538098"/>
+            <a:ext cx="761118" cy="531341"/>
+          </a:xfrm>
+          <a:prstGeom prst="snip1Rect">
             <a:avLst/>
           </a:prstGeom>
           <a:noFill/>
           <a:ln w="38100">
             <a:solidFill>
-              <a:schemeClr val="bg1">
-                <a:lumMod val="65000"/>
-              </a:schemeClr>
+              <a:srgbClr val="7030A0"/>
             </a:solidFill>
-            <a:prstDash val="sysDash"/>
           </a:ln>
         </p:spPr>
         <p:style>
@@ -6702,7 +6621,7 @@
                   <a:schemeClr val="tx1"/>
                 </a:solidFill>
               </a:rPr>
-              <a:t>Model-</a:t>
+              <a:t>Mutation</a:t>
             </a:r>
           </a:p>
           <a:p>
@@ -6713,7 +6632,7 @@
                   <a:schemeClr val="tx1"/>
                 </a:solidFill>
               </a:rPr>
-              <a:t>based</a:t>
+              <a:t>analysis</a:t>
             </a:r>
           </a:p>
           <a:p>
@@ -6724,17 +6643,17 @@
                   <a:schemeClr val="tx1"/>
                 </a:solidFill>
               </a:rPr>
-              <a:t>Generation</a:t>
-            </a:r>
-          </a:p>
-        </p:txBody>
-      </p:sp>
-      <p:sp>
-        <p:nvSpPr>
-          <p:cNvPr id="373" name="Rectangle 372">
-            <a:extLst>
-              <a:ext uri="{FF2B5EF4-FFF2-40B4-BE49-F238E27FC236}">
-                <a16:creationId xmlns:a16="http://schemas.microsoft.com/office/drawing/2014/main" id="{AECB3CC8-388D-2A43-B912-002A42010EEE}"/>
+              <a:t>metrics</a:t>
+            </a:r>
+          </a:p>
+        </p:txBody>
+      </p:sp>
+      <p:sp>
+        <p:nvSpPr>
+          <p:cNvPr id="375" name="Snip Single Corner Rectangle 374">
+            <a:extLst>
+              <a:ext uri="{FF2B5EF4-FFF2-40B4-BE49-F238E27FC236}">
+                <a16:creationId xmlns:a16="http://schemas.microsoft.com/office/drawing/2014/main" id="{FB9FB404-6C03-804C-9C49-BAC4137A20A0}"/>
               </a:ext>
             </a:extLst>
           </p:cNvPr>
@@ -6742,17 +6661,17 @@
           <p:nvPr/>
         </p:nvSpPr>
         <p:spPr>
-          <a:xfrm>
-            <a:off x="1899646" y="4486107"/>
-            <a:ext cx="853497" cy="568410"/>
-          </a:xfrm>
-          <a:prstGeom prst="rect">
+          <a:xfrm flipH="1">
+            <a:off x="4803168" y="4969814"/>
+            <a:ext cx="761118" cy="531341"/>
+          </a:xfrm>
+          <a:prstGeom prst="snip1Rect">
             <a:avLst/>
           </a:prstGeom>
           <a:noFill/>
           <a:ln w="38100">
             <a:solidFill>
-              <a:srgbClr val="7030A0"/>
+              <a:srgbClr val="338A62"/>
             </a:solidFill>
           </a:ln>
         </p:spPr>
@@ -6788,7 +6707,7 @@
                   <a:schemeClr val="tx1"/>
                 </a:solidFill>
               </a:rPr>
-              <a:t>Test</a:t>
+              <a:t>Mutation</a:t>
             </a:r>
           </a:p>
           <a:p>
@@ -6799,7 +6718,7 @@
                   <a:schemeClr val="tx1"/>
                 </a:solidFill>
               </a:rPr>
-              <a:t>Generation</a:t>
+              <a:t>analysis</a:t>
             </a:r>
           </a:p>
           <a:p>
@@ -6810,17 +6729,17 @@
                   <a:schemeClr val="tx1"/>
                 </a:solidFill>
               </a:rPr>
-              <a:t>using Static Analysis</a:t>
-            </a:r>
-          </a:p>
-        </p:txBody>
-      </p:sp>
-      <p:sp>
-        <p:nvSpPr>
-          <p:cNvPr id="374" name="Snip Single Corner Rectangle 373">
-            <a:extLst>
-              <a:ext uri="{FF2B5EF4-FFF2-40B4-BE49-F238E27FC236}">
-                <a16:creationId xmlns:a16="http://schemas.microsoft.com/office/drawing/2014/main" id="{7FC4F68B-B8DC-0742-9F52-AFE132E090DF}"/>
+              <a:t>metrics</a:t>
+            </a:r>
+          </a:p>
+        </p:txBody>
+      </p:sp>
+      <p:sp>
+        <p:nvSpPr>
+          <p:cNvPr id="376" name="Snip Single Corner Rectangle 375">
+            <a:extLst>
+              <a:ext uri="{FF2B5EF4-FFF2-40B4-BE49-F238E27FC236}">
+                <a16:creationId xmlns:a16="http://schemas.microsoft.com/office/drawing/2014/main" id="{61CF83DC-A86C-1D45-A240-0CB0A6090C67}"/>
               </a:ext>
             </a:extLst>
           </p:cNvPr>
@@ -6829,7 +6748,7 @@
         </p:nvSpPr>
         <p:spPr>
           <a:xfrm flipH="1">
-            <a:off x="2379094" y="5538098"/>
+            <a:off x="6464490" y="5504231"/>
             <a:ext cx="761118" cy="531341"/>
           </a:xfrm>
           <a:prstGeom prst="snip1Rect">
@@ -6838,7 +6757,7 @@
           <a:noFill/>
           <a:ln w="38100">
             <a:solidFill>
-              <a:srgbClr val="7030A0"/>
+              <a:srgbClr val="FF0000"/>
             </a:solidFill>
           </a:ln>
         </p:spPr>
@@ -6885,62 +6804,9 @@
                   <a:schemeClr val="tx1"/>
                 </a:solidFill>
               </a:rPr>
-              <a:t>score</a:t>
-            </a:r>
-          </a:p>
-        </p:txBody>
-      </p:sp>
-      <p:sp>
-        <p:nvSpPr>
-          <p:cNvPr id="375" name="Snip Single Corner Rectangle 374">
-            <a:extLst>
-              <a:ext uri="{FF2B5EF4-FFF2-40B4-BE49-F238E27FC236}">
-                <a16:creationId xmlns:a16="http://schemas.microsoft.com/office/drawing/2014/main" id="{FB9FB404-6C03-804C-9C49-BAC4137A20A0}"/>
-              </a:ext>
-            </a:extLst>
-          </p:cNvPr>
-          <p:cNvSpPr/>
-          <p:nvPr/>
-        </p:nvSpPr>
-        <p:spPr>
-          <a:xfrm flipH="1">
-            <a:off x="4849667" y="5521164"/>
-            <a:ext cx="761118" cy="531341"/>
-          </a:xfrm>
-          <a:prstGeom prst="snip1Rect">
-            <a:avLst/>
-          </a:prstGeom>
-          <a:noFill/>
-          <a:ln w="38100">
-            <a:solidFill>
-              <a:srgbClr val="338A62"/>
-            </a:solidFill>
-          </a:ln>
-        </p:spPr>
-        <p:style>
-          <a:lnRef idx="2">
-            <a:schemeClr val="accent1">
-              <a:shade val="50000"/>
-            </a:schemeClr>
-          </a:lnRef>
-          <a:fillRef idx="1">
-            <a:schemeClr val="accent1"/>
-          </a:fillRef>
-          <a:effectRef idx="0">
-            <a:schemeClr val="accent1"/>
-          </a:effectRef>
-          <a:fontRef idx="minor">
-            <a:schemeClr val="lt1"/>
-          </a:fontRef>
-        </p:style>
-        <p:txBody>
-          <a:bodyPr rot="0" spcFirstLastPara="0" vertOverflow="overflow" horzOverflow="overflow" vert="horz" wrap="square" lIns="91440" tIns="45720" rIns="91440" bIns="45720" numCol="1" spcCol="0" rtlCol="0" fromWordArt="0" anchor="ctr" anchorCtr="0" forceAA="0" compatLnSpc="1">
-            <a:prstTxWarp prst="textNoShape">
-              <a:avLst/>
-            </a:prstTxWarp>
-            <a:noAutofit/>
-          </a:bodyPr>
-          <a:lstStyle/>
+              <a:t>analysis</a:t>
+            </a:r>
+          </a:p>
           <a:p>
             <a:pPr algn="ctr"/>
             <a:r>
@@ -6949,93 +6815,7 @@
                   <a:schemeClr val="tx1"/>
                 </a:solidFill>
               </a:rPr>
-              <a:t>Mutation</a:t>
-            </a:r>
-          </a:p>
-          <a:p>
-            <a:pPr algn="ctr"/>
-            <a:r>
-              <a:rPr lang="en-US" sz="1000" dirty="0">
-                <a:solidFill>
-                  <a:schemeClr val="tx1"/>
-                </a:solidFill>
-              </a:rPr>
-              <a:t>score</a:t>
-            </a:r>
-          </a:p>
-        </p:txBody>
-      </p:sp>
-      <p:sp>
-        <p:nvSpPr>
-          <p:cNvPr id="376" name="Snip Single Corner Rectangle 375">
-            <a:extLst>
-              <a:ext uri="{FF2B5EF4-FFF2-40B4-BE49-F238E27FC236}">
-                <a16:creationId xmlns:a16="http://schemas.microsoft.com/office/drawing/2014/main" id="{61CF83DC-A86C-1D45-A240-0CB0A6090C67}"/>
-              </a:ext>
-            </a:extLst>
-          </p:cNvPr>
-          <p:cNvSpPr/>
-          <p:nvPr/>
-        </p:nvSpPr>
-        <p:spPr>
-          <a:xfrm flipH="1">
-            <a:off x="6464490" y="5504231"/>
-            <a:ext cx="761118" cy="531341"/>
-          </a:xfrm>
-          <a:prstGeom prst="snip1Rect">
-            <a:avLst/>
-          </a:prstGeom>
-          <a:noFill/>
-          <a:ln w="38100">
-            <a:solidFill>
-              <a:srgbClr val="FF0000"/>
-            </a:solidFill>
-          </a:ln>
-        </p:spPr>
-        <p:style>
-          <a:lnRef idx="2">
-            <a:schemeClr val="accent1">
-              <a:shade val="50000"/>
-            </a:schemeClr>
-          </a:lnRef>
-          <a:fillRef idx="1">
-            <a:schemeClr val="accent1"/>
-          </a:fillRef>
-          <a:effectRef idx="0">
-            <a:schemeClr val="accent1"/>
-          </a:effectRef>
-          <a:fontRef idx="minor">
-            <a:schemeClr val="lt1"/>
-          </a:fontRef>
-        </p:style>
-        <p:txBody>
-          <a:bodyPr rot="0" spcFirstLastPara="0" vertOverflow="overflow" horzOverflow="overflow" vert="horz" wrap="square" lIns="91440" tIns="45720" rIns="91440" bIns="45720" numCol="1" spcCol="0" rtlCol="0" fromWordArt="0" anchor="ctr" anchorCtr="0" forceAA="0" compatLnSpc="1">
-            <a:prstTxWarp prst="textNoShape">
-              <a:avLst/>
-            </a:prstTxWarp>
-            <a:noAutofit/>
-          </a:bodyPr>
-          <a:lstStyle/>
-          <a:p>
-            <a:pPr algn="ctr"/>
-            <a:r>
-              <a:rPr lang="en-US" sz="1000" dirty="0">
-                <a:solidFill>
-                  <a:schemeClr val="tx1"/>
-                </a:solidFill>
-              </a:rPr>
-              <a:t>Mutation</a:t>
-            </a:r>
-          </a:p>
-          <a:p>
-            <a:pPr algn="ctr"/>
-            <a:r>
-              <a:rPr lang="en-US" sz="1000" dirty="0">
-                <a:solidFill>
-                  <a:schemeClr val="tx1"/>
-                </a:solidFill>
-              </a:rPr>
-              <a:t>score</a:t>
+              <a:t>metrics</a:t>
             </a:r>
           </a:p>
         </p:txBody>
@@ -7152,8 +6932,8 @@
         </p:nvCxnSpPr>
         <p:spPr>
           <a:xfrm flipH="1">
-            <a:off x="4199566" y="6052505"/>
-            <a:ext cx="1030660" cy="679145"/>
+            <a:off x="4199572" y="5501155"/>
+            <a:ext cx="984155" cy="1230489"/>
           </a:xfrm>
           <a:prstGeom prst="straightConnector1">
             <a:avLst/>
@@ -7566,53 +7346,6 @@
       </p:cxnSp>
       <p:cxnSp>
         <p:nvCxnSpPr>
-          <p:cNvPr id="404" name="Straight Arrow Connector 403">
-            <a:extLst>
-              <a:ext uri="{FF2B5EF4-FFF2-40B4-BE49-F238E27FC236}">
-                <a16:creationId xmlns:a16="http://schemas.microsoft.com/office/drawing/2014/main" id="{3609341B-EAB1-224D-809B-B16506B2A0BD}"/>
-              </a:ext>
-            </a:extLst>
-          </p:cNvPr>
-          <p:cNvCxnSpPr>
-            <a:cxnSpLocks/>
-            <a:stCxn id="285" idx="2"/>
-            <a:endCxn id="373" idx="0"/>
-          </p:cNvCxnSpPr>
-          <p:nvPr/>
-        </p:nvCxnSpPr>
-        <p:spPr>
-          <a:xfrm flipH="1">
-            <a:off x="2326391" y="4050420"/>
-            <a:ext cx="710512" cy="435691"/>
-          </a:xfrm>
-          <a:prstGeom prst="straightConnector1">
-            <a:avLst/>
-          </a:prstGeom>
-          <a:ln w="38100">
-            <a:solidFill>
-              <a:srgbClr val="7030A0"/>
-            </a:solidFill>
-            <a:prstDash val="sysDot"/>
-            <a:tailEnd type="triangle"/>
-          </a:ln>
-        </p:spPr>
-        <p:style>
-          <a:lnRef idx="1">
-            <a:schemeClr val="accent1"/>
-          </a:lnRef>
-          <a:fillRef idx="0">
-            <a:schemeClr val="accent1"/>
-          </a:fillRef>
-          <a:effectRef idx="0">
-            <a:schemeClr val="accent1"/>
-          </a:effectRef>
-          <a:fontRef idx="minor">
-            <a:schemeClr val="tx1"/>
-          </a:fontRef>
-        </p:style>
-      </p:cxnSp>
-      <p:cxnSp>
-        <p:nvCxnSpPr>
           <p:cNvPr id="407" name="Straight Arrow Connector 406">
             <a:extLst>
               <a:ext uri="{FF2B5EF4-FFF2-40B4-BE49-F238E27FC236}">
@@ -7676,8 +7409,8 @@
         </p:nvCxnSpPr>
         <p:spPr>
           <a:xfrm>
-            <a:off x="4618244" y="3898021"/>
-            <a:ext cx="611982" cy="1623143"/>
+            <a:off x="4618244" y="3898016"/>
+            <a:ext cx="565483" cy="1071798"/>
           </a:xfrm>
           <a:prstGeom prst="straightConnector1">
             <a:avLst/>
@@ -7754,53 +7487,6 @@
       </p:cxnSp>
       <p:cxnSp>
         <p:nvCxnSpPr>
-          <p:cNvPr id="427" name="Straight Arrow Connector 426">
-            <a:extLst>
-              <a:ext uri="{FF2B5EF4-FFF2-40B4-BE49-F238E27FC236}">
-                <a16:creationId xmlns:a16="http://schemas.microsoft.com/office/drawing/2014/main" id="{613C8860-DFF0-024C-A5E8-CB8427A6AD0C}"/>
-              </a:ext>
-            </a:extLst>
-          </p:cNvPr>
-          <p:cNvCxnSpPr>
-            <a:cxnSpLocks/>
-            <a:stCxn id="288" idx="2"/>
-            <a:endCxn id="372" idx="0"/>
-          </p:cNvCxnSpPr>
-          <p:nvPr/>
-        </p:nvCxnSpPr>
-        <p:spPr>
-          <a:xfrm>
-            <a:off x="5420752" y="3898018"/>
-            <a:ext cx="524092" cy="905339"/>
-          </a:xfrm>
-          <a:prstGeom prst="straightConnector1">
-            <a:avLst/>
-          </a:prstGeom>
-          <a:ln w="38100">
-            <a:solidFill>
-              <a:srgbClr val="338A62"/>
-            </a:solidFill>
-            <a:prstDash val="sysDot"/>
-            <a:tailEnd type="triangle"/>
-          </a:ln>
-        </p:spPr>
-        <p:style>
-          <a:lnRef idx="1">
-            <a:schemeClr val="accent1"/>
-          </a:lnRef>
-          <a:fillRef idx="0">
-            <a:schemeClr val="accent1"/>
-          </a:fillRef>
-          <a:effectRef idx="0">
-            <a:schemeClr val="accent1"/>
-          </a:effectRef>
-          <a:fontRef idx="minor">
-            <a:schemeClr val="tx1"/>
-          </a:fontRef>
-        </p:style>
-      </p:cxnSp>
-      <p:cxnSp>
-        <p:nvCxnSpPr>
           <p:cNvPr id="432" name="Straight Arrow Connector 431">
             <a:extLst>
               <a:ext uri="{FF2B5EF4-FFF2-40B4-BE49-F238E27FC236}">
@@ -7817,8 +7503,8 @@
         </p:nvCxnSpPr>
         <p:spPr>
           <a:xfrm flipH="1">
-            <a:off x="5230226" y="3898021"/>
-            <a:ext cx="190526" cy="1623143"/>
+            <a:off x="5183727" y="3898016"/>
+            <a:ext cx="237025" cy="1071798"/>
           </a:xfrm>
           <a:prstGeom prst="straightConnector1">
             <a:avLst/>
@@ -7895,53 +7581,6 @@
       </p:cxnSp>
       <p:cxnSp>
         <p:nvCxnSpPr>
-          <p:cNvPr id="438" name="Straight Arrow Connector 437">
-            <a:extLst>
-              <a:ext uri="{FF2B5EF4-FFF2-40B4-BE49-F238E27FC236}">
-                <a16:creationId xmlns:a16="http://schemas.microsoft.com/office/drawing/2014/main" id="{2A789FDD-49D9-8B40-8F58-70DCBC12AD43}"/>
-              </a:ext>
-            </a:extLst>
-          </p:cNvPr>
-          <p:cNvCxnSpPr>
-            <a:cxnSpLocks/>
-            <a:stCxn id="290" idx="2"/>
-            <a:endCxn id="352" idx="0"/>
-          </p:cNvCxnSpPr>
-          <p:nvPr/>
-        </p:nvCxnSpPr>
-        <p:spPr>
-          <a:xfrm>
-            <a:off x="7966709" y="3902135"/>
-            <a:ext cx="531867" cy="366584"/>
-          </a:xfrm>
-          <a:prstGeom prst="straightConnector1">
-            <a:avLst/>
-          </a:prstGeom>
-          <a:ln w="38100">
-            <a:solidFill>
-              <a:srgbClr val="FF0000"/>
-            </a:solidFill>
-            <a:prstDash val="sysDot"/>
-            <a:tailEnd type="triangle"/>
-          </a:ln>
-        </p:spPr>
-        <p:style>
-          <a:lnRef idx="1">
-            <a:schemeClr val="accent1"/>
-          </a:lnRef>
-          <a:fillRef idx="0">
-            <a:schemeClr val="accent1"/>
-          </a:fillRef>
-          <a:effectRef idx="0">
-            <a:schemeClr val="accent1"/>
-          </a:effectRef>
-          <a:fontRef idx="minor">
-            <a:schemeClr val="tx1"/>
-          </a:fontRef>
-        </p:style>
-      </p:cxnSp>
-      <p:cxnSp>
-        <p:nvCxnSpPr>
           <p:cNvPr id="441" name="Straight Arrow Connector 440">
             <a:extLst>
               <a:ext uri="{FF2B5EF4-FFF2-40B4-BE49-F238E27FC236}">
@@ -7967,100 +7606,6 @@
           <a:ln w="38100">
             <a:solidFill>
               <a:srgbClr val="FF0000"/>
-            </a:solidFill>
-            <a:prstDash val="sysDot"/>
-            <a:tailEnd type="triangle"/>
-          </a:ln>
-        </p:spPr>
-        <p:style>
-          <a:lnRef idx="1">
-            <a:schemeClr val="accent1"/>
-          </a:lnRef>
-          <a:fillRef idx="0">
-            <a:schemeClr val="accent1"/>
-          </a:fillRef>
-          <a:effectRef idx="0">
-            <a:schemeClr val="accent1"/>
-          </a:effectRef>
-          <a:fontRef idx="minor">
-            <a:schemeClr val="tx1"/>
-          </a:fontRef>
-        </p:style>
-      </p:cxnSp>
-      <p:cxnSp>
-        <p:nvCxnSpPr>
-          <p:cNvPr id="444" name="Straight Arrow Connector 443">
-            <a:extLst>
-              <a:ext uri="{FF2B5EF4-FFF2-40B4-BE49-F238E27FC236}">
-                <a16:creationId xmlns:a16="http://schemas.microsoft.com/office/drawing/2014/main" id="{22E5899A-3A98-4B4C-8B57-63CB2E160F5A}"/>
-              </a:ext>
-            </a:extLst>
-          </p:cNvPr>
-          <p:cNvCxnSpPr>
-            <a:cxnSpLocks/>
-            <a:stCxn id="289" idx="2"/>
-            <a:endCxn id="352" idx="0"/>
-          </p:cNvCxnSpPr>
-          <p:nvPr/>
-        </p:nvCxnSpPr>
-        <p:spPr>
-          <a:xfrm>
-            <a:off x="6994869" y="3902135"/>
-            <a:ext cx="1503707" cy="366584"/>
-          </a:xfrm>
-          <a:prstGeom prst="straightConnector1">
-            <a:avLst/>
-          </a:prstGeom>
-          <a:ln w="38100">
-            <a:solidFill>
-              <a:srgbClr val="FF0000"/>
-            </a:solidFill>
-            <a:prstDash val="sysDot"/>
-            <a:tailEnd type="triangle"/>
-          </a:ln>
-        </p:spPr>
-        <p:style>
-          <a:lnRef idx="1">
-            <a:schemeClr val="accent1"/>
-          </a:lnRef>
-          <a:fillRef idx="0">
-            <a:schemeClr val="accent1"/>
-          </a:fillRef>
-          <a:effectRef idx="0">
-            <a:schemeClr val="accent1"/>
-          </a:effectRef>
-          <a:fontRef idx="minor">
-            <a:schemeClr val="tx1"/>
-          </a:fontRef>
-        </p:style>
-      </p:cxnSp>
-      <p:cxnSp>
-        <p:nvCxnSpPr>
-          <p:cNvPr id="447" name="Straight Arrow Connector 446">
-            <a:extLst>
-              <a:ext uri="{FF2B5EF4-FFF2-40B4-BE49-F238E27FC236}">
-                <a16:creationId xmlns:a16="http://schemas.microsoft.com/office/drawing/2014/main" id="{8DBDB702-09EC-8A49-9717-E5CD70AA039C}"/>
-              </a:ext>
-            </a:extLst>
-          </p:cNvPr>
-          <p:cNvCxnSpPr>
-            <a:cxnSpLocks/>
-            <a:stCxn id="287" idx="2"/>
-            <a:endCxn id="372" idx="0"/>
-          </p:cNvCxnSpPr>
-          <p:nvPr/>
-        </p:nvCxnSpPr>
-        <p:spPr>
-          <a:xfrm>
-            <a:off x="4618244" y="3898018"/>
-            <a:ext cx="1326600" cy="905339"/>
-          </a:xfrm>
-          <a:prstGeom prst="straightConnector1">
-            <a:avLst/>
-          </a:prstGeom>
-          <a:ln w="38100">
-            <a:solidFill>
-              <a:srgbClr val="338A62"/>
             </a:solidFill>
             <a:prstDash val="sysDot"/>
             <a:tailEnd type="triangle"/>
@@ -8193,55 +7738,8 @@
         </p:nvCxnSpPr>
         <p:spPr>
           <a:xfrm>
-            <a:off x="5230226" y="6052505"/>
-            <a:ext cx="624844" cy="1632239"/>
-          </a:xfrm>
-          <a:prstGeom prst="straightConnector1">
-            <a:avLst/>
-          </a:prstGeom>
-          <a:ln w="28575">
-            <a:solidFill>
-              <a:srgbClr val="338A62"/>
-            </a:solidFill>
-            <a:prstDash val="dash"/>
-            <a:tailEnd type="triangle"/>
-          </a:ln>
-        </p:spPr>
-        <p:style>
-          <a:lnRef idx="1">
-            <a:schemeClr val="accent1"/>
-          </a:lnRef>
-          <a:fillRef idx="0">
-            <a:schemeClr val="accent1"/>
-          </a:fillRef>
-          <a:effectRef idx="0">
-            <a:schemeClr val="accent1"/>
-          </a:effectRef>
-          <a:fontRef idx="minor">
-            <a:schemeClr val="tx1"/>
-          </a:fontRef>
-        </p:style>
-      </p:cxnSp>
-      <p:cxnSp>
-        <p:nvCxnSpPr>
-          <p:cNvPr id="459" name="Straight Arrow Connector 458">
-            <a:extLst>
-              <a:ext uri="{FF2B5EF4-FFF2-40B4-BE49-F238E27FC236}">
-                <a16:creationId xmlns:a16="http://schemas.microsoft.com/office/drawing/2014/main" id="{95FE72D9-074A-FF44-929D-80A8604E7A99}"/>
-              </a:ext>
-            </a:extLst>
-          </p:cNvPr>
-          <p:cNvCxnSpPr>
-            <a:cxnSpLocks/>
-            <a:stCxn id="372" idx="2"/>
-            <a:endCxn id="389" idx="0"/>
-          </p:cNvCxnSpPr>
-          <p:nvPr/>
-        </p:nvCxnSpPr>
-        <p:spPr>
-          <a:xfrm flipH="1">
-            <a:off x="5855070" y="5371765"/>
-            <a:ext cx="89774" cy="2312979"/>
+            <a:off x="5183727" y="5501155"/>
+            <a:ext cx="671343" cy="2183589"/>
           </a:xfrm>
           <a:prstGeom prst="straightConnector1">
             <a:avLst/>
@@ -8316,53 +7814,6 @@
           </a:fontRef>
         </p:style>
       </p:cxnSp>
-      <p:cxnSp>
-        <p:nvCxnSpPr>
-          <p:cNvPr id="465" name="Straight Arrow Connector 464">
-            <a:extLst>
-              <a:ext uri="{FF2B5EF4-FFF2-40B4-BE49-F238E27FC236}">
-                <a16:creationId xmlns:a16="http://schemas.microsoft.com/office/drawing/2014/main" id="{C2D408C3-786C-CE4F-9783-13E735D1E1F7}"/>
-              </a:ext>
-            </a:extLst>
-          </p:cNvPr>
-          <p:cNvCxnSpPr>
-            <a:cxnSpLocks/>
-            <a:stCxn id="352" idx="2"/>
-            <a:endCxn id="389" idx="0"/>
-          </p:cNvCxnSpPr>
-          <p:nvPr/>
-        </p:nvCxnSpPr>
-        <p:spPr>
-          <a:xfrm flipH="1">
-            <a:off x="5855070" y="4837129"/>
-            <a:ext cx="2643502" cy="2847615"/>
-          </a:xfrm>
-          <a:prstGeom prst="straightConnector1">
-            <a:avLst/>
-          </a:prstGeom>
-          <a:ln w="28575">
-            <a:solidFill>
-              <a:srgbClr val="FF0000"/>
-            </a:solidFill>
-            <a:prstDash val="dash"/>
-            <a:tailEnd type="triangle"/>
-          </a:ln>
-        </p:spPr>
-        <p:style>
-          <a:lnRef idx="1">
-            <a:schemeClr val="accent1"/>
-          </a:lnRef>
-          <a:fillRef idx="0">
-            <a:schemeClr val="accent1"/>
-          </a:fillRef>
-          <a:effectRef idx="0">
-            <a:schemeClr val="accent1"/>
-          </a:effectRef>
-          <a:fontRef idx="minor">
-            <a:schemeClr val="tx1"/>
-          </a:fontRef>
-        </p:style>
-      </p:cxnSp>
       <p:sp>
         <p:nvSpPr>
           <p:cNvPr id="476" name="Triangle 475">
@@ -9305,7 +8756,7 @@
         </p:nvSpPr>
         <p:spPr>
           <a:xfrm>
-            <a:off x="8118310" y="2388383"/>
+            <a:off x="7467076" y="2403189"/>
             <a:ext cx="1028230" cy="646331"/>
           </a:xfrm>
           <a:prstGeom prst="rect">
@@ -9410,57 +8861,6 @@
             </a:avLst>
           </a:prstGeom>
           <a:ln w="28575">
-            <a:prstDash val="dash"/>
-            <a:tailEnd type="triangle"/>
-          </a:ln>
-        </p:spPr>
-        <p:style>
-          <a:lnRef idx="1">
-            <a:schemeClr val="accent1"/>
-          </a:lnRef>
-          <a:fillRef idx="0">
-            <a:schemeClr val="accent1"/>
-          </a:fillRef>
-          <a:effectRef idx="0">
-            <a:schemeClr val="accent1"/>
-          </a:effectRef>
-          <a:fontRef idx="minor">
-            <a:schemeClr val="tx1"/>
-          </a:fontRef>
-        </p:style>
-      </p:cxnSp>
-      <p:cxnSp>
-        <p:nvCxnSpPr>
-          <p:cNvPr id="105" name="Elbow Connector 104">
-            <a:extLst>
-              <a:ext uri="{FF2B5EF4-FFF2-40B4-BE49-F238E27FC236}">
-                <a16:creationId xmlns:a16="http://schemas.microsoft.com/office/drawing/2014/main" id="{F12B2C75-33CF-FF44-9DAD-B751A9F648D1}"/>
-              </a:ext>
-            </a:extLst>
-          </p:cNvPr>
-          <p:cNvCxnSpPr>
-            <a:cxnSpLocks/>
-            <a:stCxn id="373" idx="2"/>
-            <a:endCxn id="270" idx="0"/>
-          </p:cNvCxnSpPr>
-          <p:nvPr/>
-        </p:nvCxnSpPr>
-        <p:spPr>
-          <a:xfrm rot="5400000" flipH="1" flipV="1">
-            <a:off x="448202" y="2800349"/>
-            <a:ext cx="4132360" cy="375979"/>
-          </a:xfrm>
-          <a:prstGeom prst="bentConnector5">
-            <a:avLst>
-              <a:gd name="adj1" fmla="val -5532"/>
-              <a:gd name="adj2" fmla="val -612854"/>
-              <a:gd name="adj3" fmla="val 112170"/>
-            </a:avLst>
-          </a:prstGeom>
-          <a:ln w="28575">
-            <a:solidFill>
-              <a:srgbClr val="7030A0"/>
-            </a:solidFill>
             <a:prstDash val="dash"/>
             <a:tailEnd type="triangle"/>
           </a:ln>
@@ -9491,20 +8891,20 @@
           </p:cNvPr>
           <p:cNvCxnSpPr>
             <a:cxnSpLocks/>
-            <a:stCxn id="372" idx="3"/>
+            <a:stCxn id="375" idx="2"/>
             <a:endCxn id="272" idx="0"/>
           </p:cNvCxnSpPr>
           <p:nvPr/>
         </p:nvCxnSpPr>
         <p:spPr>
           <a:xfrm flipH="1" flipV="1">
-            <a:off x="4988377" y="913921"/>
-            <a:ext cx="1412048" cy="4173641"/>
+            <a:off x="4988379" y="913919"/>
+            <a:ext cx="575907" cy="4321566"/>
           </a:xfrm>
           <a:prstGeom prst="bentConnector4">
             <a:avLst>
-              <a:gd name="adj1" fmla="val -207222"/>
-              <a:gd name="adj2" fmla="val 105477"/>
+              <a:gd name="adj1" fmla="val -648905"/>
+              <a:gd name="adj2" fmla="val 105290"/>
             </a:avLst>
           </a:prstGeom>
           <a:ln w="28575">
@@ -9541,19 +8941,19 @@
           </p:cNvPr>
           <p:cNvCxnSpPr>
             <a:cxnSpLocks/>
-            <a:stCxn id="352" idx="3"/>
+            <a:stCxn id="376" idx="2"/>
             <a:endCxn id="275" idx="3"/>
           </p:cNvCxnSpPr>
           <p:nvPr/>
         </p:nvCxnSpPr>
         <p:spPr>
-          <a:xfrm flipH="1" flipV="1">
-            <a:off x="8311701" y="1243439"/>
-            <a:ext cx="642452" cy="3309487"/>
+          <a:xfrm flipV="1">
+            <a:off x="7225608" y="1243439"/>
+            <a:ext cx="1086095" cy="4526463"/>
           </a:xfrm>
           <a:prstGeom prst="bentConnector3">
             <a:avLst>
-              <a:gd name="adj1" fmla="val -30837"/>
+              <a:gd name="adj1" fmla="val 121048"/>
             </a:avLst>
           </a:prstGeom>
           <a:ln w="28575">
@@ -10418,14 +9818,14 @@
           <p:cNvCxnSpPr>
             <a:cxnSpLocks/>
             <a:stCxn id="286" idx="2"/>
-            <a:endCxn id="373" idx="0"/>
+            <a:endCxn id="128" idx="0"/>
           </p:cNvCxnSpPr>
           <p:nvPr/>
         </p:nvCxnSpPr>
         <p:spPr>
-          <a:xfrm flipH="1">
-            <a:off x="2326395" y="3898016"/>
-            <a:ext cx="1540701" cy="588091"/>
+          <a:xfrm>
+            <a:off x="3867096" y="3898016"/>
+            <a:ext cx="111378" cy="1113751"/>
           </a:xfrm>
           <a:prstGeom prst="straightConnector1">
             <a:avLst/>
@@ -10453,6 +9853,249 @@
           </a:fontRef>
         </p:style>
       </p:cxnSp>
+      <p:sp>
+        <p:nvSpPr>
+          <p:cNvPr id="128" name="Rectangle 127">
+            <a:extLst>
+              <a:ext uri="{FF2B5EF4-FFF2-40B4-BE49-F238E27FC236}">
+                <a16:creationId xmlns:a16="http://schemas.microsoft.com/office/drawing/2014/main" id="{6014BA73-2E74-5341-AE56-002C105C2365}"/>
+              </a:ext>
+            </a:extLst>
+          </p:cNvPr>
+          <p:cNvSpPr/>
+          <p:nvPr/>
+        </p:nvSpPr>
+        <p:spPr>
+          <a:xfrm>
+            <a:off x="3522893" y="5011767"/>
+            <a:ext cx="911162" cy="568410"/>
+          </a:xfrm>
+          <a:prstGeom prst="rect">
+            <a:avLst/>
+          </a:prstGeom>
+          <a:noFill/>
+          <a:ln w="38100">
+            <a:solidFill>
+              <a:srgbClr val="7030A0"/>
+            </a:solidFill>
+            <a:prstDash val="solid"/>
+          </a:ln>
+        </p:spPr>
+        <p:style>
+          <a:lnRef idx="2">
+            <a:schemeClr val="accent1">
+              <a:shade val="50000"/>
+            </a:schemeClr>
+          </a:lnRef>
+          <a:fillRef idx="1">
+            <a:schemeClr val="accent1"/>
+          </a:fillRef>
+          <a:effectRef idx="0">
+            <a:schemeClr val="accent1"/>
+          </a:effectRef>
+          <a:fontRef idx="minor">
+            <a:schemeClr val="lt1"/>
+          </a:fontRef>
+        </p:style>
+        <p:txBody>
+          <a:bodyPr rot="0" spcFirstLastPara="0" vertOverflow="overflow" horzOverflow="overflow" vert="horz" wrap="square" lIns="91440" tIns="45720" rIns="91440" bIns="45720" numCol="1" spcCol="0" rtlCol="0" fromWordArt="0" anchor="ctr" anchorCtr="0" forceAA="0" compatLnSpc="1">
+            <a:prstTxWarp prst="textNoShape">
+              <a:avLst/>
+            </a:prstTxWarp>
+            <a:noAutofit/>
+          </a:bodyPr>
+          <a:lstStyle/>
+          <a:p>
+            <a:pPr algn="ctr"/>
+            <a:r>
+              <a:rPr lang="en-US" sz="1000" dirty="0">
+                <a:solidFill>
+                  <a:schemeClr val="tx1"/>
+                </a:solidFill>
+              </a:rPr>
+              <a:t>Data-driven</a:t>
+            </a:r>
+          </a:p>
+          <a:p>
+            <a:pPr algn="ctr"/>
+            <a:r>
+              <a:rPr lang="en-US" sz="1000" dirty="0">
+                <a:solidFill>
+                  <a:schemeClr val="tx1"/>
+                </a:solidFill>
+              </a:rPr>
+              <a:t>Test</a:t>
+            </a:r>
+          </a:p>
+          <a:p>
+            <a:pPr algn="ctr"/>
+            <a:r>
+              <a:rPr lang="en-US" sz="1000" dirty="0">
+                <a:solidFill>
+                  <a:schemeClr val="tx1"/>
+                </a:solidFill>
+              </a:rPr>
+              <a:t>Generation</a:t>
+            </a:r>
+          </a:p>
+        </p:txBody>
+      </p:sp>
+      <p:cxnSp>
+        <p:nvCxnSpPr>
+          <p:cNvPr id="129" name="Straight Arrow Connector 128">
+            <a:extLst>
+              <a:ext uri="{FF2B5EF4-FFF2-40B4-BE49-F238E27FC236}">
+                <a16:creationId xmlns:a16="http://schemas.microsoft.com/office/drawing/2014/main" id="{2FB89792-A146-0C4E-83A6-4B2DCD814BBA}"/>
+              </a:ext>
+            </a:extLst>
+          </p:cNvPr>
+          <p:cNvCxnSpPr>
+            <a:cxnSpLocks/>
+            <a:stCxn id="128" idx="2"/>
+            <a:endCxn id="389" idx="0"/>
+          </p:cNvCxnSpPr>
+          <p:nvPr/>
+        </p:nvCxnSpPr>
+        <p:spPr>
+          <a:xfrm>
+            <a:off x="3978474" y="5580177"/>
+            <a:ext cx="1876596" cy="2104567"/>
+          </a:xfrm>
+          <a:prstGeom prst="straightConnector1">
+            <a:avLst/>
+          </a:prstGeom>
+          <a:ln w="38100">
+            <a:solidFill>
+              <a:srgbClr val="7030A0"/>
+            </a:solidFill>
+            <a:prstDash val="sysDot"/>
+            <a:tailEnd type="triangle"/>
+          </a:ln>
+        </p:spPr>
+        <p:style>
+          <a:lnRef idx="1">
+            <a:schemeClr val="accent1"/>
+          </a:lnRef>
+          <a:fillRef idx="0">
+            <a:schemeClr val="accent1"/>
+          </a:fillRef>
+          <a:effectRef idx="0">
+            <a:schemeClr val="accent1"/>
+          </a:effectRef>
+          <a:fontRef idx="minor">
+            <a:schemeClr val="tx1"/>
+          </a:fontRef>
+        </p:style>
+      </p:cxnSp>
+      <p:cxnSp>
+        <p:nvCxnSpPr>
+          <p:cNvPr id="132" name="Elbow Connector 131">
+            <a:extLst>
+              <a:ext uri="{FF2B5EF4-FFF2-40B4-BE49-F238E27FC236}">
+                <a16:creationId xmlns:a16="http://schemas.microsoft.com/office/drawing/2014/main" id="{FD0B9AEB-DED5-0B48-A8E2-B89DB76201EF}"/>
+              </a:ext>
+            </a:extLst>
+          </p:cNvPr>
+          <p:cNvCxnSpPr>
+            <a:cxnSpLocks/>
+            <a:stCxn id="128" idx="1"/>
+            <a:endCxn id="270" idx="0"/>
+          </p:cNvCxnSpPr>
+          <p:nvPr/>
+        </p:nvCxnSpPr>
+        <p:spPr>
+          <a:xfrm rot="10800000">
+            <a:off x="2702373" y="922158"/>
+            <a:ext cx="820521" cy="4373815"/>
+          </a:xfrm>
+          <a:prstGeom prst="bentConnector4">
+            <a:avLst>
+              <a:gd name="adj1" fmla="val 413607"/>
+              <a:gd name="adj2" fmla="val 105227"/>
+            </a:avLst>
+          </a:prstGeom>
+          <a:ln w="28575">
+            <a:solidFill>
+              <a:srgbClr val="7030A0"/>
+            </a:solidFill>
+            <a:prstDash val="dash"/>
+            <a:tailEnd type="triangle"/>
+          </a:ln>
+        </p:spPr>
+        <p:style>
+          <a:lnRef idx="1">
+            <a:schemeClr val="accent1"/>
+          </a:lnRef>
+          <a:fillRef idx="0">
+            <a:schemeClr val="accent1"/>
+          </a:fillRef>
+          <a:effectRef idx="0">
+            <a:schemeClr val="accent1"/>
+          </a:effectRef>
+          <a:fontRef idx="minor">
+            <a:schemeClr val="tx1"/>
+          </a:fontRef>
+        </p:style>
+      </p:cxnSp>
+      <p:sp>
+        <p:nvSpPr>
+          <p:cNvPr id="146" name="Triangle 145">
+            <a:extLst>
+              <a:ext uri="{FF2B5EF4-FFF2-40B4-BE49-F238E27FC236}">
+                <a16:creationId xmlns:a16="http://schemas.microsoft.com/office/drawing/2014/main" id="{DF499DA3-5173-A144-B074-FCFBDEE14C0C}"/>
+              </a:ext>
+            </a:extLst>
+          </p:cNvPr>
+          <p:cNvSpPr/>
+          <p:nvPr/>
+        </p:nvSpPr>
+        <p:spPr>
+          <a:xfrm>
+            <a:off x="6372457" y="2848000"/>
+            <a:ext cx="288000" cy="288000"/>
+          </a:xfrm>
+          <a:prstGeom prst="triangle">
+            <a:avLst/>
+          </a:prstGeom>
+          <a:solidFill>
+            <a:schemeClr val="bg1"/>
+          </a:solidFill>
+          <a:ln w="38100">
+            <a:solidFill>
+              <a:schemeClr val="tx1"/>
+            </a:solidFill>
+          </a:ln>
+        </p:spPr>
+        <p:style>
+          <a:lnRef idx="2">
+            <a:schemeClr val="accent1">
+              <a:shade val="50000"/>
+            </a:schemeClr>
+          </a:lnRef>
+          <a:fillRef idx="1">
+            <a:schemeClr val="accent1"/>
+          </a:fillRef>
+          <a:effectRef idx="0">
+            <a:schemeClr val="accent1"/>
+          </a:effectRef>
+          <a:fontRef idx="minor">
+            <a:schemeClr val="lt1"/>
+          </a:fontRef>
+        </p:style>
+        <p:txBody>
+          <a:bodyPr rot="0" spcFirstLastPara="0" vertOverflow="overflow" horzOverflow="overflow" vert="horz" wrap="square" lIns="91440" tIns="45720" rIns="91440" bIns="45720" numCol="1" spcCol="0" rtlCol="0" fromWordArt="0" anchor="ctr" anchorCtr="0" forceAA="0" compatLnSpc="1">
+            <a:prstTxWarp prst="textNoShape">
+              <a:avLst/>
+            </a:prstTxWarp>
+            <a:noAutofit/>
+          </a:bodyPr>
+          <a:lstStyle/>
+          <a:p>
+            <a:pPr algn="ctr"/>
+            <a:endParaRPr lang="en-US"/>
+          </a:p>
+        </p:txBody>
+      </p:sp>
     </p:spTree>
     <p:extLst>
       <p:ext uri="{BB962C8B-B14F-4D97-AF65-F5344CB8AC3E}">
